--- a/presentation/Is prediction STILL difficult.pptx
+++ b/presentation/Is prediction STILL difficult.pptx
@@ -14351,7 +14351,7 @@
                 <a:ea typeface="Tahoma" panose="020B0604030504040204" pitchFamily="34" charset="0"/>
                 <a:cs typeface="Tahoma" panose="020B0604030504040204" pitchFamily="34" charset="0"/>
               </a:rPr>
-              <a:t> Examle data input</a:t>
+              <a:t> Example data input</a:t>
             </a:r>
             <a:endParaRPr lang="en-US" dirty="0">
               <a:latin typeface="Tahoma" panose="020B0604030504040204" pitchFamily="34" charset="0"/>
@@ -14955,7 +14955,7 @@
                 <a:ea typeface="Tahoma" panose="020B0604030504040204" pitchFamily="34" charset="0"/>
                 <a:cs typeface="Tahoma" panose="020B0604030504040204" pitchFamily="34" charset="0"/>
               </a:rPr>
-              <a:t> p&amp;c</a:t>
+              <a:t> P&amp;C</a:t>
             </a:r>
             <a:endParaRPr lang="en-US" dirty="0">
               <a:latin typeface="Tahoma" panose="020B0604030504040204" pitchFamily="34" charset="0"/>
@@ -15832,7 +15832,7 @@
                 <a:ea typeface="Tahoma" panose="020B0604030504040204" pitchFamily="34" charset="0"/>
                 <a:cs typeface="Tahoma" panose="020B0604030504040204" pitchFamily="34" charset="0"/>
               </a:rPr>
-              <a:t> Metodology</a:t>
+              <a:t> Methodology</a:t>
             </a:r>
             <a:endParaRPr lang="en-US" dirty="0">
               <a:latin typeface="Tahoma" panose="020B0604030504040204" pitchFamily="34" charset="0"/>
@@ -17597,7 +17597,7 @@
                 <a:ea typeface="Tahoma" panose="020B0604030504040204" pitchFamily="34" charset="0"/>
                 <a:cs typeface="Tahoma" panose="020B0604030504040204" pitchFamily="34" charset="0"/>
               </a:rPr>
-              <a:t> p&amp;c</a:t>
+              <a:t> P&amp;C</a:t>
             </a:r>
             <a:endParaRPr lang="en-US" dirty="0">
               <a:latin typeface="Tahoma" panose="020B0604030504040204" pitchFamily="34" charset="0"/>
@@ -18002,7 +18002,7 @@
                 <a:ea typeface="Tahoma" panose="020B0604030504040204" pitchFamily="34" charset="0"/>
                 <a:cs typeface="Tahoma" panose="020B0604030504040204" pitchFamily="34" charset="0"/>
               </a:rPr>
-              <a:t> understands users optimism / pesimism</a:t>
+              <a:t> understands users optimism / pessimism</a:t>
             </a:r>
           </a:p>
           <a:p>
@@ -20614,6 +20614,186 @@
           </a:p>
         </p:txBody>
       </p:sp>
+      <p:pic>
+        <p:nvPicPr>
+          <p:cNvPr id="10" name="Picture 9">
+            <a:extLst>
+              <a:ext uri="{FF2B5EF4-FFF2-40B4-BE49-F238E27FC236}">
+                <a16:creationId xmlns:a16="http://schemas.microsoft.com/office/drawing/2014/main" id="{183D1A02-CD3A-41CC-9DFD-3F79B84FEDE1}"/>
+              </a:ext>
+            </a:extLst>
+          </p:cNvPr>
+          <p:cNvPicPr>
+            <a:picLocks noChangeAspect="1"/>
+          </p:cNvPicPr>
+          <p:nvPr/>
+        </p:nvPicPr>
+        <p:blipFill>
+          <a:blip r:embed="rId3">
+            <a:extLst>
+              <a:ext uri="{28A0092B-C50C-407E-A947-70E740481C1C}">
+                <a14:useLocalDpi xmlns:a14="http://schemas.microsoft.com/office/drawing/2010/main" val="0"/>
+              </a:ext>
+            </a:extLst>
+          </a:blip>
+          <a:stretch>
+            <a:fillRect/>
+          </a:stretch>
+        </p:blipFill>
+        <p:spPr>
+          <a:xfrm>
+            <a:off x="335562" y="1643629"/>
+            <a:ext cx="502638" cy="502638"/>
+          </a:xfrm>
+          <a:prstGeom prst="rect">
+            <a:avLst/>
+          </a:prstGeom>
+        </p:spPr>
+      </p:pic>
+      <p:pic>
+        <p:nvPicPr>
+          <p:cNvPr id="11" name="Picture 10">
+            <a:extLst>
+              <a:ext uri="{FF2B5EF4-FFF2-40B4-BE49-F238E27FC236}">
+                <a16:creationId xmlns:a16="http://schemas.microsoft.com/office/drawing/2014/main" id="{1522F26C-E20B-4B62-9CE4-03232E41F4F0}"/>
+              </a:ext>
+            </a:extLst>
+          </p:cNvPr>
+          <p:cNvPicPr>
+            <a:picLocks noChangeAspect="1"/>
+          </p:cNvPicPr>
+          <p:nvPr/>
+        </p:nvPicPr>
+        <p:blipFill>
+          <a:blip r:embed="rId3">
+            <a:extLst>
+              <a:ext uri="{28A0092B-C50C-407E-A947-70E740481C1C}">
+                <a14:useLocalDpi xmlns:a14="http://schemas.microsoft.com/office/drawing/2010/main" val="0"/>
+              </a:ext>
+            </a:extLst>
+          </a:blip>
+          <a:stretch>
+            <a:fillRect/>
+          </a:stretch>
+        </p:blipFill>
+        <p:spPr>
+          <a:xfrm>
+            <a:off x="1598809" y="3960213"/>
+            <a:ext cx="502638" cy="502638"/>
+          </a:xfrm>
+          <a:prstGeom prst="rect">
+            <a:avLst/>
+          </a:prstGeom>
+        </p:spPr>
+      </p:pic>
+      <p:pic>
+        <p:nvPicPr>
+          <p:cNvPr id="13" name="Picture 12">
+            <a:extLst>
+              <a:ext uri="{FF2B5EF4-FFF2-40B4-BE49-F238E27FC236}">
+                <a16:creationId xmlns:a16="http://schemas.microsoft.com/office/drawing/2014/main" id="{EAC939EB-1307-4BCA-A945-C9D774F91C3A}"/>
+              </a:ext>
+            </a:extLst>
+          </p:cNvPr>
+          <p:cNvPicPr>
+            <a:picLocks noChangeAspect="1"/>
+          </p:cNvPicPr>
+          <p:nvPr/>
+        </p:nvPicPr>
+        <p:blipFill>
+          <a:blip r:embed="rId3">
+            <a:extLst>
+              <a:ext uri="{28A0092B-C50C-407E-A947-70E740481C1C}">
+                <a14:useLocalDpi xmlns:a14="http://schemas.microsoft.com/office/drawing/2010/main" val="0"/>
+              </a:ext>
+            </a:extLst>
+          </a:blip>
+          <a:stretch>
+            <a:fillRect/>
+          </a:stretch>
+        </p:blipFill>
+        <p:spPr>
+          <a:xfrm>
+            <a:off x="4221242" y="2221900"/>
+            <a:ext cx="502638" cy="502638"/>
+          </a:xfrm>
+          <a:prstGeom prst="rect">
+            <a:avLst/>
+          </a:prstGeom>
+        </p:spPr>
+      </p:pic>
+      <p:pic>
+        <p:nvPicPr>
+          <p:cNvPr id="14" name="Picture 13">
+            <a:extLst>
+              <a:ext uri="{FF2B5EF4-FFF2-40B4-BE49-F238E27FC236}">
+                <a16:creationId xmlns:a16="http://schemas.microsoft.com/office/drawing/2014/main" id="{6A7C4D10-7AB3-4D3E-8893-4CED09B527A0}"/>
+              </a:ext>
+            </a:extLst>
+          </p:cNvPr>
+          <p:cNvPicPr>
+            <a:picLocks noChangeAspect="1"/>
+          </p:cNvPicPr>
+          <p:nvPr/>
+        </p:nvPicPr>
+        <p:blipFill>
+          <a:blip r:embed="rId3">
+            <a:extLst>
+              <a:ext uri="{28A0092B-C50C-407E-A947-70E740481C1C}">
+                <a14:useLocalDpi xmlns:a14="http://schemas.microsoft.com/office/drawing/2010/main" val="0"/>
+              </a:ext>
+            </a:extLst>
+          </a:blip>
+          <a:stretch>
+            <a:fillRect/>
+          </a:stretch>
+        </p:blipFill>
+        <p:spPr>
+          <a:xfrm>
+            <a:off x="7604283" y="822610"/>
+            <a:ext cx="502638" cy="502638"/>
+          </a:xfrm>
+          <a:prstGeom prst="rect">
+            <a:avLst/>
+          </a:prstGeom>
+        </p:spPr>
+      </p:pic>
+      <p:pic>
+        <p:nvPicPr>
+          <p:cNvPr id="15" name="Picture 14">
+            <a:extLst>
+              <a:ext uri="{FF2B5EF4-FFF2-40B4-BE49-F238E27FC236}">
+                <a16:creationId xmlns:a16="http://schemas.microsoft.com/office/drawing/2014/main" id="{3878418E-5B5D-4F3E-A7AD-0DABD3BBFAA1}"/>
+              </a:ext>
+            </a:extLst>
+          </p:cNvPr>
+          <p:cNvPicPr>
+            <a:picLocks noChangeAspect="1"/>
+          </p:cNvPicPr>
+          <p:nvPr/>
+        </p:nvPicPr>
+        <p:blipFill>
+          <a:blip r:embed="rId3">
+            <a:extLst>
+              <a:ext uri="{28A0092B-C50C-407E-A947-70E740481C1C}">
+                <a14:useLocalDpi xmlns:a14="http://schemas.microsoft.com/office/drawing/2010/main" val="0"/>
+              </a:ext>
+            </a:extLst>
+          </a:blip>
+          <a:stretch>
+            <a:fillRect/>
+          </a:stretch>
+        </p:blipFill>
+        <p:spPr>
+          <a:xfrm>
+            <a:off x="7057159" y="4086825"/>
+            <a:ext cx="502638" cy="502638"/>
+          </a:xfrm>
+          <a:prstGeom prst="rect">
+            <a:avLst/>
+          </a:prstGeom>
+        </p:spPr>
+      </p:pic>
     </p:spTree>
     <p:extLst>
       <p:ext uri="{BB962C8B-B14F-4D97-AF65-F5344CB8AC3E}">
@@ -20679,7 +20859,7 @@
         </p:nvSpPr>
         <p:spPr>
           <a:xfrm>
-            <a:off x="4128368" y="4522156"/>
+            <a:off x="4030837" y="4388067"/>
             <a:ext cx="4937937" cy="1363215"/>
           </a:xfrm>
         </p:spPr>
@@ -24658,7 +24838,7 @@
                 <a:ea typeface="Tahoma" panose="020B0604030504040204" pitchFamily="34" charset="0"/>
                 <a:cs typeface="Tahoma" panose="020B0604030504040204" pitchFamily="34" charset="0"/>
               </a:rPr>
-              <a:t> p&amp;c</a:t>
+              <a:t> P&amp;C</a:t>
             </a:r>
             <a:endParaRPr lang="en-US" dirty="0">
               <a:latin typeface="Tahoma" panose="020B0604030504040204" pitchFamily="34" charset="0"/>
@@ -25063,7 +25243,7 @@
                 <a:ea typeface="Tahoma" panose="020B0604030504040204" pitchFamily="34" charset="0"/>
                 <a:cs typeface="Tahoma" panose="020B0604030504040204" pitchFamily="34" charset="0"/>
               </a:rPr>
-              <a:t> fast productionization</a:t>
+              <a:t> fast productionisation</a:t>
             </a:r>
           </a:p>
           <a:p>
@@ -25503,7 +25683,7 @@
                 <a:ea typeface="Tahoma" panose="020B0604030504040204" pitchFamily="34" charset="0"/>
                 <a:cs typeface="Tahoma" panose="020B0604030504040204" pitchFamily="34" charset="0"/>
               </a:rPr>
-              <a:t> Metodology</a:t>
+              <a:t> Methodology</a:t>
             </a:r>
             <a:endParaRPr lang="en-US" dirty="0">
               <a:latin typeface="Tahoma" panose="020B0604030504040204" pitchFamily="34" charset="0"/>
